--- a/lectures/distributions.pptx
+++ b/lectures/distributions.pptx
@@ -234,7 +234,7 @@
           <a:p>
             <a:fld id="{08BD4FA9-F3CE-45B3-A980-C331C6F1EF65}" type="datetimeFigureOut">
               <a:rPr lang="en-US" smtClean="0"/>
-              <a:t>3/19/2022</a:t>
+              <a:t>2/28/2025</a:t>
             </a:fld>
             <a:endParaRPr lang="en-US"/>
           </a:p>
@@ -507,7 +507,7 @@
           <a:p>
             <a:fld id="{EAAD3657-2200-4D14-82C0-10C39B0F0F06}" type="datetime1">
               <a:rPr lang="en-US" smtClean="0"/>
-              <a:t>3/19/2022</a:t>
+              <a:t>2/28/2025</a:t>
             </a:fld>
             <a:endParaRPr lang="en-US"/>
           </a:p>
@@ -675,7 +675,7 @@
           <a:p>
             <a:fld id="{11BBAF55-A85E-4993-914E-FC1E5AA7DF24}" type="datetime1">
               <a:rPr lang="en-US" smtClean="0"/>
-              <a:t>3/19/2022</a:t>
+              <a:t>2/28/2025</a:t>
             </a:fld>
             <a:endParaRPr lang="en-US"/>
           </a:p>
@@ -853,7 +853,7 @@
           <a:p>
             <a:fld id="{39816E07-E1DB-44A4-A5E5-9F4B54E8C933}" type="datetime1">
               <a:rPr lang="en-US" smtClean="0"/>
-              <a:t>3/19/2022</a:t>
+              <a:t>2/28/2025</a:t>
             </a:fld>
             <a:endParaRPr lang="en-US"/>
           </a:p>
@@ -1038,7 +1038,7 @@
           <a:p>
             <a:fld id="{C2B1AD17-B813-4477-8AFE-B1860CC59113}" type="datetime1">
               <a:rPr lang="en-US" smtClean="0"/>
-              <a:t>3/19/2022</a:t>
+              <a:t>2/28/2025</a:t>
             </a:fld>
             <a:endParaRPr lang="en-US"/>
           </a:p>
@@ -1283,7 +1283,7 @@
           <a:p>
             <a:fld id="{D0975C0D-5C9E-48CC-8D31-F42D19FA8F7A}" type="datetime1">
               <a:rPr lang="en-US" smtClean="0"/>
-              <a:t>3/19/2022</a:t>
+              <a:t>2/28/2025</a:t>
             </a:fld>
             <a:endParaRPr lang="en-US"/>
           </a:p>
@@ -1568,7 +1568,7 @@
           <a:p>
             <a:fld id="{28657551-0F2B-4F09-86FD-F7994CE83DC5}" type="datetime1">
               <a:rPr lang="en-US" smtClean="0"/>
-              <a:t>3/19/2022</a:t>
+              <a:t>2/28/2025</a:t>
             </a:fld>
             <a:endParaRPr lang="en-US"/>
           </a:p>
@@ -1987,7 +1987,7 @@
           <a:p>
             <a:fld id="{3929D2B2-4200-46B9-96C3-02A55D5FAA00}" type="datetime1">
               <a:rPr lang="en-US" smtClean="0"/>
-              <a:t>3/19/2022</a:t>
+              <a:t>2/28/2025</a:t>
             </a:fld>
             <a:endParaRPr lang="en-US"/>
           </a:p>
@@ -2104,7 +2104,7 @@
           <a:p>
             <a:fld id="{41FF7722-74E8-497F-A072-89677A2C2373}" type="datetime1">
               <a:rPr lang="en-US" smtClean="0"/>
-              <a:t>3/19/2022</a:t>
+              <a:t>2/28/2025</a:t>
             </a:fld>
             <a:endParaRPr lang="en-US"/>
           </a:p>
@@ -2199,7 +2199,7 @@
           <a:p>
             <a:fld id="{BD26212E-B46B-426F-AE59-AA326827D9E0}" type="datetime1">
               <a:rPr lang="en-US" smtClean="0"/>
-              <a:t>3/19/2022</a:t>
+              <a:t>2/28/2025</a:t>
             </a:fld>
             <a:endParaRPr lang="en-US"/>
           </a:p>
@@ -2474,7 +2474,7 @@
           <a:p>
             <a:fld id="{FB9B81E8-09EA-4684-A39F-38DE1E49D20C}" type="datetime1">
               <a:rPr lang="en-US" smtClean="0"/>
-              <a:t>3/19/2022</a:t>
+              <a:t>2/28/2025</a:t>
             </a:fld>
             <a:endParaRPr lang="en-US"/>
           </a:p>
@@ -2726,7 +2726,7 @@
           <a:p>
             <a:fld id="{35C5CC5F-056C-4047-9A5C-9F5B4BED129B}" type="datetime1">
               <a:rPr lang="en-US" smtClean="0"/>
-              <a:t>3/19/2022</a:t>
+              <a:t>2/28/2025</a:t>
             </a:fld>
             <a:endParaRPr lang="en-US"/>
           </a:p>
@@ -2940,7 +2940,7 @@
           <a:p>
             <a:fld id="{E8171053-07BD-4A17-AC24-0A22EAA36098}" type="datetime1">
               <a:rPr lang="en-US" smtClean="0"/>
-              <a:t>3/19/2022</a:t>
+              <a:t>2/28/2025</a:t>
             </a:fld>
             <a:endParaRPr lang="en-US"/>
           </a:p>
@@ -3346,7 +3346,7 @@
           <a:p>
             <a:r>
               <a:rPr lang="en-US" dirty="0"/>
-              <a:t>title</a:t>
+              <a:t>Visualizing Distributions</a:t>
             </a:r>
           </a:p>
         </p:txBody>
